--- a/assets/img/Presentation1.pptx
+++ b/assets/img/Presentation1.pptx
@@ -6,6 +6,13 @@
   </p:sldMasterIdLst>
   <p:sldIdLst>
     <p:sldId id="256" r:id="rId2"/>
+    <p:sldId id="257" r:id="rId3"/>
+    <p:sldId id="260" r:id="rId4"/>
+    <p:sldId id="261" r:id="rId5"/>
+    <p:sldId id="262" r:id="rId6"/>
+    <p:sldId id="263" r:id="rId7"/>
+    <p:sldId id="259" r:id="rId8"/>
+    <p:sldId id="258" r:id="rId9"/>
   </p:sldIdLst>
   <p:sldSz cx="12192000" cy="6858000"/>
   <p:notesSz cx="6858000" cy="9144000"/>
@@ -104,6 +111,11 @@
       </a:defRPr>
     </a:lvl9pPr>
   </p:defaultTextStyle>
+  <p:extLst>
+    <p:ext uri="{EFAFB233-063F-42B5-8137-9DF3F51BA10A}">
+      <p15:sldGuideLst xmlns:p15="http://schemas.microsoft.com/office/powerpoint/2012/main"/>
+    </p:ext>
+  </p:extLst>
 </p:presentation>
 </file>
 
@@ -256,7 +268,7 @@
           <a:p>
             <a:fld id="{B3D04BB8-76FE-497D-AF86-2AAE3825F429}" type="datetimeFigureOut">
               <a:rPr lang="en-CA" smtClean="0"/>
-              <a:t>2022-10-12</a:t>
+              <a:t>2022-10-14</a:t>
             </a:fld>
             <a:endParaRPr lang="en-CA"/>
           </a:p>
@@ -456,7 +468,7 @@
           <a:p>
             <a:fld id="{B3D04BB8-76FE-497D-AF86-2AAE3825F429}" type="datetimeFigureOut">
               <a:rPr lang="en-CA" smtClean="0"/>
-              <a:t>2022-10-12</a:t>
+              <a:t>2022-10-14</a:t>
             </a:fld>
             <a:endParaRPr lang="en-CA"/>
           </a:p>
@@ -666,7 +678,7 @@
           <a:p>
             <a:fld id="{B3D04BB8-76FE-497D-AF86-2AAE3825F429}" type="datetimeFigureOut">
               <a:rPr lang="en-CA" smtClean="0"/>
-              <a:t>2022-10-12</a:t>
+              <a:t>2022-10-14</a:t>
             </a:fld>
             <a:endParaRPr lang="en-CA"/>
           </a:p>
@@ -866,7 +878,7 @@
           <a:p>
             <a:fld id="{B3D04BB8-76FE-497D-AF86-2AAE3825F429}" type="datetimeFigureOut">
               <a:rPr lang="en-CA" smtClean="0"/>
-              <a:t>2022-10-12</a:t>
+              <a:t>2022-10-14</a:t>
             </a:fld>
             <a:endParaRPr lang="en-CA"/>
           </a:p>
@@ -1142,7 +1154,7 @@
           <a:p>
             <a:fld id="{B3D04BB8-76FE-497D-AF86-2AAE3825F429}" type="datetimeFigureOut">
               <a:rPr lang="en-CA" smtClean="0"/>
-              <a:t>2022-10-12</a:t>
+              <a:t>2022-10-14</a:t>
             </a:fld>
             <a:endParaRPr lang="en-CA"/>
           </a:p>
@@ -1410,7 +1422,7 @@
           <a:p>
             <a:fld id="{B3D04BB8-76FE-497D-AF86-2AAE3825F429}" type="datetimeFigureOut">
               <a:rPr lang="en-CA" smtClean="0"/>
-              <a:t>2022-10-12</a:t>
+              <a:t>2022-10-14</a:t>
             </a:fld>
             <a:endParaRPr lang="en-CA"/>
           </a:p>
@@ -1825,7 +1837,7 @@
           <a:p>
             <a:fld id="{B3D04BB8-76FE-497D-AF86-2AAE3825F429}" type="datetimeFigureOut">
               <a:rPr lang="en-CA" smtClean="0"/>
-              <a:t>2022-10-12</a:t>
+              <a:t>2022-10-14</a:t>
             </a:fld>
             <a:endParaRPr lang="en-CA"/>
           </a:p>
@@ -1967,7 +1979,7 @@
           <a:p>
             <a:fld id="{B3D04BB8-76FE-497D-AF86-2AAE3825F429}" type="datetimeFigureOut">
               <a:rPr lang="en-CA" smtClean="0"/>
-              <a:t>2022-10-12</a:t>
+              <a:t>2022-10-14</a:t>
             </a:fld>
             <a:endParaRPr lang="en-CA"/>
           </a:p>
@@ -2080,7 +2092,7 @@
           <a:p>
             <a:fld id="{B3D04BB8-76FE-497D-AF86-2AAE3825F429}" type="datetimeFigureOut">
               <a:rPr lang="en-CA" smtClean="0"/>
-              <a:t>2022-10-12</a:t>
+              <a:t>2022-10-14</a:t>
             </a:fld>
             <a:endParaRPr lang="en-CA"/>
           </a:p>
@@ -2393,7 +2405,7 @@
           <a:p>
             <a:fld id="{B3D04BB8-76FE-497D-AF86-2AAE3825F429}" type="datetimeFigureOut">
               <a:rPr lang="en-CA" smtClean="0"/>
-              <a:t>2022-10-12</a:t>
+              <a:t>2022-10-14</a:t>
             </a:fld>
             <a:endParaRPr lang="en-CA"/>
           </a:p>
@@ -2682,7 +2694,7 @@
           <a:p>
             <a:fld id="{B3D04BB8-76FE-497D-AF86-2AAE3825F429}" type="datetimeFigureOut">
               <a:rPr lang="en-CA" smtClean="0"/>
-              <a:t>2022-10-12</a:t>
+              <a:t>2022-10-14</a:t>
             </a:fld>
             <a:endParaRPr lang="en-CA"/>
           </a:p>
@@ -2925,7 +2937,7 @@
           <a:p>
             <a:fld id="{B3D04BB8-76FE-497D-AF86-2AAE3825F429}" type="datetimeFigureOut">
               <a:rPr lang="en-CA" smtClean="0"/>
-              <a:t>2022-10-12</a:t>
+              <a:t>2022-10-14</a:t>
             </a:fld>
             <a:endParaRPr lang="en-CA"/>
           </a:p>
@@ -3525,6 +3537,1151 @@
 </p:sld>
 </file>
 
+<file path=ppt/slides/slide2.xml><?xml version="1.0" encoding="utf-8"?>
+<p:sld xmlns:a="http://schemas.openxmlformats.org/drawingml/2006/main" xmlns:r="http://schemas.openxmlformats.org/officeDocument/2006/relationships" xmlns:p="http://schemas.openxmlformats.org/presentationml/2006/main">
+  <p:cSld>
+    <p:spTree>
+      <p:nvGrpSpPr>
+        <p:cNvPr id="1" name=""/>
+        <p:cNvGrpSpPr/>
+        <p:nvPr/>
+      </p:nvGrpSpPr>
+      <p:grpSpPr>
+        <a:xfrm>
+          <a:off x="0" y="0"/>
+          <a:ext cx="0" cy="0"/>
+          <a:chOff x="0" y="0"/>
+          <a:chExt cx="0" cy="0"/>
+        </a:xfrm>
+      </p:grpSpPr>
+      <p:pic>
+        <p:nvPicPr>
+          <p:cNvPr id="4" name="Picture 3">
+            <a:extLst>
+              <a:ext uri="{FF2B5EF4-FFF2-40B4-BE49-F238E27FC236}">
+                <a16:creationId xmlns:a16="http://schemas.microsoft.com/office/drawing/2014/main" id="{E4E0F8D4-E7F8-21DB-7200-14DF39EDF880}"/>
+              </a:ext>
+            </a:extLst>
+          </p:cNvPr>
+          <p:cNvPicPr>
+            <a:picLocks noChangeAspect="1"/>
+          </p:cNvPicPr>
+          <p:nvPr/>
+        </p:nvPicPr>
+        <p:blipFill rotWithShape="1">
+          <a:blip r:embed="rId2"/>
+          <a:srcRect r="67957" b="27646"/>
+          <a:stretch/>
+        </p:blipFill>
+        <p:spPr>
+          <a:xfrm>
+            <a:off x="1109506" y="2724539"/>
+            <a:ext cx="1392845" cy="1521667"/>
+          </a:xfrm>
+          <a:prstGeom prst="rect">
+            <a:avLst/>
+          </a:prstGeom>
+        </p:spPr>
+      </p:pic>
+      <p:pic>
+        <p:nvPicPr>
+          <p:cNvPr id="1026" name="Picture 2" descr="Tesla Logo - Free download logo in SVG or PNG format">
+            <a:extLst>
+              <a:ext uri="{FF2B5EF4-FFF2-40B4-BE49-F238E27FC236}">
+                <a16:creationId xmlns:a16="http://schemas.microsoft.com/office/drawing/2014/main" id="{217B521C-B77F-7634-A3AB-F255FDE34C2F}"/>
+              </a:ext>
+            </a:extLst>
+          </p:cNvPr>
+          <p:cNvPicPr>
+            <a:picLocks noChangeAspect="1" noChangeArrowheads="1"/>
+          </p:cNvPicPr>
+          <p:nvPr/>
+        </p:nvPicPr>
+        <p:blipFill>
+          <a:blip r:embed="rId3">
+            <a:extLst>
+              <a:ext uri="{28A0092B-C50C-407E-A947-70E740481C1C}">
+                <a14:useLocalDpi xmlns:a14="http://schemas.microsoft.com/office/drawing/2010/main" val="0"/>
+              </a:ext>
+            </a:extLst>
+          </a:blip>
+          <a:srcRect/>
+          <a:stretch>
+            <a:fillRect/>
+          </a:stretch>
+        </p:blipFill>
+        <p:spPr bwMode="auto">
+          <a:xfrm>
+            <a:off x="1642964" y="1725113"/>
+            <a:ext cx="3428998" cy="2285998"/>
+          </a:xfrm>
+          <a:prstGeom prst="rect">
+            <a:avLst/>
+          </a:prstGeom>
+          <a:noFill/>
+          <a:extLst>
+            <a:ext uri="{909E8E84-426E-40DD-AFC4-6F175D3DCCD1}">
+              <a14:hiddenFill xmlns:a14="http://schemas.microsoft.com/office/drawing/2010/main">
+                <a:solidFill>
+                  <a:srgbClr val="FFFFFF"/>
+                </a:solidFill>
+              </a14:hiddenFill>
+            </a:ext>
+          </a:extLst>
+        </p:spPr>
+      </p:pic>
+      <p:pic>
+        <p:nvPicPr>
+          <p:cNvPr id="1028" name="Picture 4" descr="L3Harris - POWER SYSTEMS AND SIMULATION - Nuclear Engineering International">
+            <a:extLst>
+              <a:ext uri="{FF2B5EF4-FFF2-40B4-BE49-F238E27FC236}">
+                <a16:creationId xmlns:a16="http://schemas.microsoft.com/office/drawing/2014/main" id="{A0FA4E88-2CF7-EC04-E247-320B2810046D}"/>
+              </a:ext>
+            </a:extLst>
+          </p:cNvPr>
+          <p:cNvPicPr>
+            <a:picLocks noChangeAspect="1" noChangeArrowheads="1"/>
+          </p:cNvPicPr>
+          <p:nvPr/>
+        </p:nvPicPr>
+        <p:blipFill>
+          <a:blip r:embed="rId4">
+            <a:extLst>
+              <a:ext uri="{28A0092B-C50C-407E-A947-70E740481C1C}">
+                <a14:useLocalDpi xmlns:a14="http://schemas.microsoft.com/office/drawing/2010/main" val="0"/>
+              </a:ext>
+            </a:extLst>
+          </a:blip>
+          <a:srcRect/>
+          <a:stretch>
+            <a:fillRect/>
+          </a:stretch>
+        </p:blipFill>
+        <p:spPr bwMode="auto">
+          <a:xfrm>
+            <a:off x="2502351" y="4133461"/>
+            <a:ext cx="1710225" cy="1276968"/>
+          </a:xfrm>
+          <a:prstGeom prst="rect">
+            <a:avLst/>
+          </a:prstGeom>
+          <a:noFill/>
+          <a:extLst>
+            <a:ext uri="{909E8E84-426E-40DD-AFC4-6F175D3DCCD1}">
+              <a14:hiddenFill xmlns:a14="http://schemas.microsoft.com/office/drawing/2010/main">
+                <a:solidFill>
+                  <a:srgbClr val="FFFFFF"/>
+                </a:solidFill>
+              </a14:hiddenFill>
+            </a:ext>
+          </a:extLst>
+        </p:spPr>
+      </p:pic>
+      <p:pic>
+        <p:nvPicPr>
+          <p:cNvPr id="1030" name="Picture 6" descr="Metrolinx News - Official source of transit news">
+            <a:extLst>
+              <a:ext uri="{FF2B5EF4-FFF2-40B4-BE49-F238E27FC236}">
+                <a16:creationId xmlns:a16="http://schemas.microsoft.com/office/drawing/2014/main" id="{6A66EF3F-D1FE-AFE1-3BB6-11F163F8BCD2}"/>
+              </a:ext>
+            </a:extLst>
+          </p:cNvPr>
+          <p:cNvPicPr>
+            <a:picLocks noChangeAspect="1" noChangeArrowheads="1"/>
+          </p:cNvPicPr>
+          <p:nvPr/>
+        </p:nvPicPr>
+        <p:blipFill>
+          <a:blip r:embed="rId5">
+            <a:extLst>
+              <a:ext uri="{28A0092B-C50C-407E-A947-70E740481C1C}">
+                <a14:useLocalDpi xmlns:a14="http://schemas.microsoft.com/office/drawing/2010/main" val="0"/>
+              </a:ext>
+            </a:extLst>
+          </a:blip>
+          <a:srcRect/>
+          <a:stretch>
+            <a:fillRect/>
+          </a:stretch>
+        </p:blipFill>
+        <p:spPr bwMode="auto">
+          <a:xfrm>
+            <a:off x="1202894" y="5850030"/>
+            <a:ext cx="4309137" cy="764331"/>
+          </a:xfrm>
+          <a:prstGeom prst="rect">
+            <a:avLst/>
+          </a:prstGeom>
+          <a:noFill/>
+          <a:extLst>
+            <a:ext uri="{909E8E84-426E-40DD-AFC4-6F175D3DCCD1}">
+              <a14:hiddenFill xmlns:a14="http://schemas.microsoft.com/office/drawing/2010/main">
+                <a:solidFill>
+                  <a:srgbClr val="FFFFFF"/>
+                </a:solidFill>
+              </a14:hiddenFill>
+            </a:ext>
+          </a:extLst>
+        </p:spPr>
+      </p:pic>
+    </p:spTree>
+    <p:extLst>
+      <p:ext uri="{BB962C8B-B14F-4D97-AF65-F5344CB8AC3E}">
+        <p14:creationId xmlns:p14="http://schemas.microsoft.com/office/powerpoint/2010/main" val="674403157"/>
+      </p:ext>
+    </p:extLst>
+  </p:cSld>
+  <p:clrMapOvr>
+    <a:masterClrMapping/>
+  </p:clrMapOvr>
+</p:sld>
+</file>
+
+<file path=ppt/slides/slide3.xml><?xml version="1.0" encoding="utf-8"?>
+<p:sld xmlns:a="http://schemas.openxmlformats.org/drawingml/2006/main" xmlns:r="http://schemas.openxmlformats.org/officeDocument/2006/relationships" xmlns:p="http://schemas.openxmlformats.org/presentationml/2006/main">
+  <p:cSld>
+    <p:spTree>
+      <p:nvGrpSpPr>
+        <p:cNvPr id="1" name=""/>
+        <p:cNvGrpSpPr/>
+        <p:nvPr/>
+      </p:nvGrpSpPr>
+      <p:grpSpPr>
+        <a:xfrm>
+          <a:off x="0" y="0"/>
+          <a:ext cx="0" cy="0"/>
+          <a:chOff x="0" y="0"/>
+          <a:chExt cx="0" cy="0"/>
+        </a:xfrm>
+      </p:grpSpPr>
+      <p:sp>
+        <p:nvSpPr>
+          <p:cNvPr id="5" name="Text Placeholder 4">
+            <a:extLst>
+              <a:ext uri="{FF2B5EF4-FFF2-40B4-BE49-F238E27FC236}">
+                <a16:creationId xmlns:a16="http://schemas.microsoft.com/office/drawing/2014/main" id="{6B236716-B1AC-117B-59DF-BB5456EDBCD0}"/>
+              </a:ext>
+            </a:extLst>
+          </p:cNvPr>
+          <p:cNvSpPr>
+            <a:spLocks noGrp="1"/>
+          </p:cNvSpPr>
+          <p:nvPr>
+            <p:ph type="body" sz="half" idx="2"/>
+          </p:nvPr>
+        </p:nvSpPr>
+        <p:spPr>
+          <a:xfrm>
+            <a:off x="0" y="818260"/>
+            <a:ext cx="8135596" cy="5221480"/>
+          </a:xfrm>
+        </p:spPr>
+        <p:txBody>
+          <a:bodyPr anchor="ctr">
+            <a:normAutofit/>
+          </a:bodyPr>
+          <a:lstStyle/>
+          <a:p>
+            <a:pPr marL="285750" indent="-285750">
+              <a:buFont typeface="Calibri" panose="020F0502020204030204" pitchFamily="34" charset="0"/>
+              <a:buChar char="›"/>
+            </a:pPr>
+            <a:r>
+              <a:rPr lang="en-US" dirty="0"/>
+              <a:t>Coordinated multi-disciplinary teams to develop autonomous commercial equipment for Quick Service Restaurants (QSRs) to reduce food waste and energy by over 20% and exceed throughput targets across North America</a:t>
+            </a:r>
+          </a:p>
+          <a:p>
+            <a:pPr marL="285750" indent="-285750">
+              <a:buFont typeface="Calibri" panose="020F0502020204030204" pitchFamily="34" charset="0"/>
+              <a:buChar char="›"/>
+            </a:pPr>
+            <a:r>
+              <a:rPr lang="en-US" dirty="0"/>
+              <a:t>Developed Product Data Management tool to design and manage over 200 mechanical components, including detailed engineering drawings and assembly plans for the production of pilot and alpha builds</a:t>
+            </a:r>
+          </a:p>
+          <a:p>
+            <a:pPr marL="285750" indent="-285750">
+              <a:buFont typeface="Calibri" panose="020F0502020204030204" pitchFamily="34" charset="0"/>
+              <a:buChar char="›"/>
+            </a:pPr>
+            <a:r>
+              <a:rPr lang="en-US" dirty="0"/>
+              <a:t>Identified various National Sanitation Foundation (NSF) specifications governing the design of commercial food equipment to ensure the product will meet QSRs’ food safety standards ahead of the mass production stage</a:t>
+            </a:r>
+          </a:p>
+          <a:p>
+            <a:pPr marL="285750" indent="-285750">
+              <a:buFont typeface="Calibri" panose="020F0502020204030204" pitchFamily="34" charset="0"/>
+              <a:buChar char="›"/>
+            </a:pPr>
+            <a:r>
+              <a:rPr lang="en-US" dirty="0"/>
+              <a:t>Investigated and applied cost-effective and reliable design choices in 3D modelling of various sheet metal, cast and machined components, minimizing lead times and costs associated with prototyping</a:t>
+            </a:r>
+          </a:p>
+          <a:p>
+            <a:pPr marL="285750" indent="-285750">
+              <a:buFont typeface="Calibri" panose="020F0502020204030204" pitchFamily="34" charset="0"/>
+              <a:buChar char="›"/>
+            </a:pPr>
+            <a:r>
+              <a:rPr lang="en-US" dirty="0"/>
+              <a:t>Spearheaded Gantt chart planning and delegated tasks to accelerate growth of the startup, leading to developing a working pilot from a concept within 4 months in a fast-growing industry</a:t>
+            </a:r>
+            <a:endParaRPr lang="en-CA" dirty="0"/>
+          </a:p>
+        </p:txBody>
+      </p:sp>
+      <p:pic>
+        <p:nvPicPr>
+          <p:cNvPr id="6" name="Picture Placeholder 5">
+            <a:extLst>
+              <a:ext uri="{FF2B5EF4-FFF2-40B4-BE49-F238E27FC236}">
+                <a16:creationId xmlns:a16="http://schemas.microsoft.com/office/drawing/2014/main" id="{9BB6C8AF-3BC9-8B70-C726-DD45720EB828}"/>
+              </a:ext>
+            </a:extLst>
+          </p:cNvPr>
+          <p:cNvPicPr>
+            <a:picLocks noGrp="1" noChangeAspect="1"/>
+          </p:cNvPicPr>
+          <p:nvPr>
+            <p:ph type="pic" idx="1"/>
+          </p:nvPr>
+        </p:nvPicPr>
+        <p:blipFill rotWithShape="1">
+          <a:blip r:embed="rId2"/>
+          <a:srcRect l="-566" t="1133" r="67479" b="30657"/>
+          <a:stretch/>
+        </p:blipFill>
+        <p:spPr>
+          <a:xfrm>
+            <a:off x="9146227" y="2397829"/>
+            <a:ext cx="2067644" cy="2062342"/>
+          </a:xfrm>
+          <a:prstGeom prst="rect">
+            <a:avLst/>
+          </a:prstGeom>
+        </p:spPr>
+      </p:pic>
+    </p:spTree>
+    <p:extLst>
+      <p:ext uri="{BB962C8B-B14F-4D97-AF65-F5344CB8AC3E}">
+        <p14:creationId xmlns:p14="http://schemas.microsoft.com/office/powerpoint/2010/main" val="2022463357"/>
+      </p:ext>
+    </p:extLst>
+  </p:cSld>
+  <p:clrMapOvr>
+    <a:masterClrMapping/>
+  </p:clrMapOvr>
+</p:sld>
+</file>
+
+<file path=ppt/slides/slide4.xml><?xml version="1.0" encoding="utf-8"?>
+<p:sld xmlns:a="http://schemas.openxmlformats.org/drawingml/2006/main" xmlns:r="http://schemas.openxmlformats.org/officeDocument/2006/relationships" xmlns:p="http://schemas.openxmlformats.org/presentationml/2006/main">
+  <p:cSld>
+    <p:spTree>
+      <p:nvGrpSpPr>
+        <p:cNvPr id="1" name=""/>
+        <p:cNvGrpSpPr/>
+        <p:nvPr/>
+      </p:nvGrpSpPr>
+      <p:grpSpPr>
+        <a:xfrm>
+          <a:off x="0" y="0"/>
+          <a:ext cx="0" cy="0"/>
+          <a:chOff x="0" y="0"/>
+          <a:chExt cx="0" cy="0"/>
+        </a:xfrm>
+      </p:grpSpPr>
+      <p:sp>
+        <p:nvSpPr>
+          <p:cNvPr id="5" name="Text Placeholder 4">
+            <a:extLst>
+              <a:ext uri="{FF2B5EF4-FFF2-40B4-BE49-F238E27FC236}">
+                <a16:creationId xmlns:a16="http://schemas.microsoft.com/office/drawing/2014/main" id="{6B236716-B1AC-117B-59DF-BB5456EDBCD0}"/>
+              </a:ext>
+            </a:extLst>
+          </p:cNvPr>
+          <p:cNvSpPr>
+            <a:spLocks noGrp="1"/>
+          </p:cNvSpPr>
+          <p:nvPr>
+            <p:ph type="body" sz="half" idx="2"/>
+          </p:nvPr>
+        </p:nvSpPr>
+        <p:spPr>
+          <a:xfrm>
+            <a:off x="0" y="818260"/>
+            <a:ext cx="8135596" cy="5221480"/>
+          </a:xfrm>
+        </p:spPr>
+        <p:txBody>
+          <a:bodyPr anchor="ctr">
+            <a:normAutofit/>
+          </a:bodyPr>
+          <a:lstStyle/>
+          <a:p>
+            <a:pPr marL="285750" indent="-285750">
+              <a:buFont typeface="Calibri" panose="020F0502020204030204" pitchFamily="34" charset="0"/>
+              <a:buChar char="›"/>
+            </a:pPr>
+            <a:r>
+              <a:rPr lang="en-US" dirty="0"/>
+              <a:t>Led technical development and integration of numerous camera and sensor systems across all production-level projects improving self-driving vision accuracy and reliability in humid and snowy climates </a:t>
+            </a:r>
+          </a:p>
+          <a:p>
+            <a:pPr marL="285750" indent="-285750">
+              <a:buFont typeface="Calibri" panose="020F0502020204030204" pitchFamily="34" charset="0"/>
+              <a:buChar char="›"/>
+            </a:pPr>
+            <a:r>
+              <a:rPr lang="en-US" dirty="0"/>
+              <a:t>Conducted simulation studies (OPTIS &amp; CATIA) by visualizing camera field-of-view to propose placement &amp; </a:t>
+            </a:r>
+            <a:r>
+              <a:rPr lang="en-US" dirty="0" err="1"/>
+              <a:t>lookvector</a:t>
+            </a:r>
+            <a:r>
+              <a:rPr lang="en-US" dirty="0"/>
+              <a:t>, which optimized machine learning computer vision algorithm, aesthetics, and electromechanical integration</a:t>
+            </a:r>
+          </a:p>
+          <a:p>
+            <a:pPr marL="285750" indent="-285750">
+              <a:buFont typeface="Calibri" panose="020F0502020204030204" pitchFamily="34" charset="0"/>
+              <a:buChar char="›"/>
+            </a:pPr>
+            <a:r>
+              <a:rPr lang="en-US" dirty="0"/>
+              <a:t>Communicated and calculated in-depth RSS tolerance analysis of mating components and requirements for GD&amp;T to international suppliers ensuring products can be mass-manufactured with a defect rate less than 0.001%</a:t>
+            </a:r>
+          </a:p>
+        </p:txBody>
+      </p:sp>
+      <p:pic>
+        <p:nvPicPr>
+          <p:cNvPr id="6" name="Picture Placeholder 5">
+            <a:extLst>
+              <a:ext uri="{FF2B5EF4-FFF2-40B4-BE49-F238E27FC236}">
+                <a16:creationId xmlns:a16="http://schemas.microsoft.com/office/drawing/2014/main" id="{9BB6C8AF-3BC9-8B70-C726-DD45720EB828}"/>
+              </a:ext>
+            </a:extLst>
+          </p:cNvPr>
+          <p:cNvPicPr>
+            <a:picLocks noGrp="1" noChangeAspect="1"/>
+          </p:cNvPicPr>
+          <p:nvPr>
+            <p:ph type="pic" idx="1"/>
+          </p:nvPr>
+        </p:nvPicPr>
+        <p:blipFill>
+          <a:blip r:embed="rId2">
+            <a:extLst>
+              <a:ext uri="{28A0092B-C50C-407E-A947-70E740481C1C}">
+                <a14:useLocalDpi xmlns:a14="http://schemas.microsoft.com/office/drawing/2010/main" val="0"/>
+              </a:ext>
+            </a:extLst>
+          </a:blip>
+          <a:srcRect l="16581" r="16581"/>
+          <a:stretch/>
+        </p:blipFill>
+        <p:spPr>
+          <a:xfrm>
+            <a:off x="9146227" y="2397829"/>
+            <a:ext cx="2067644" cy="2062342"/>
+          </a:xfrm>
+          <a:prstGeom prst="rect">
+            <a:avLst/>
+          </a:prstGeom>
+        </p:spPr>
+      </p:pic>
+    </p:spTree>
+    <p:extLst>
+      <p:ext uri="{BB962C8B-B14F-4D97-AF65-F5344CB8AC3E}">
+        <p14:creationId xmlns:p14="http://schemas.microsoft.com/office/powerpoint/2010/main" val="3741040492"/>
+      </p:ext>
+    </p:extLst>
+  </p:cSld>
+  <p:clrMapOvr>
+    <a:masterClrMapping/>
+  </p:clrMapOvr>
+</p:sld>
+</file>
+
+<file path=ppt/slides/slide5.xml><?xml version="1.0" encoding="utf-8"?>
+<p:sld xmlns:a="http://schemas.openxmlformats.org/drawingml/2006/main" xmlns:r="http://schemas.openxmlformats.org/officeDocument/2006/relationships" xmlns:p="http://schemas.openxmlformats.org/presentationml/2006/main">
+  <p:cSld>
+    <p:spTree>
+      <p:nvGrpSpPr>
+        <p:cNvPr id="1" name=""/>
+        <p:cNvGrpSpPr/>
+        <p:nvPr/>
+      </p:nvGrpSpPr>
+      <p:grpSpPr>
+        <a:xfrm>
+          <a:off x="0" y="0"/>
+          <a:ext cx="0" cy="0"/>
+          <a:chOff x="0" y="0"/>
+          <a:chExt cx="0" cy="0"/>
+        </a:xfrm>
+      </p:grpSpPr>
+      <p:sp>
+        <p:nvSpPr>
+          <p:cNvPr id="5" name="Text Placeholder 4">
+            <a:extLst>
+              <a:ext uri="{FF2B5EF4-FFF2-40B4-BE49-F238E27FC236}">
+                <a16:creationId xmlns:a16="http://schemas.microsoft.com/office/drawing/2014/main" id="{6B236716-B1AC-117B-59DF-BB5456EDBCD0}"/>
+              </a:ext>
+            </a:extLst>
+          </p:cNvPr>
+          <p:cNvSpPr>
+            <a:spLocks noGrp="1"/>
+          </p:cNvSpPr>
+          <p:nvPr>
+            <p:ph type="body" sz="half" idx="2"/>
+          </p:nvPr>
+        </p:nvSpPr>
+        <p:spPr>
+          <a:xfrm>
+            <a:off x="0" y="818260"/>
+            <a:ext cx="8135596" cy="5221480"/>
+          </a:xfrm>
+        </p:spPr>
+        <p:txBody>
+          <a:bodyPr anchor="ctr">
+            <a:normAutofit/>
+          </a:bodyPr>
+          <a:lstStyle/>
+          <a:p>
+            <a:pPr marL="285750" indent="-285750">
+              <a:buFont typeface="Calibri" panose="020F0502020204030204" pitchFamily="34" charset="0"/>
+              <a:buChar char="›"/>
+            </a:pPr>
+            <a:r>
+              <a:rPr lang="en-US" dirty="0"/>
+              <a:t>Created CAD designs &amp; drawings to assist in the manufacturing of tooling for military-grade imaging systems</a:t>
+            </a:r>
+          </a:p>
+          <a:p>
+            <a:pPr marL="285750" indent="-285750">
+              <a:buFont typeface="Calibri" panose="020F0502020204030204" pitchFamily="34" charset="0"/>
+              <a:buChar char="›"/>
+            </a:pPr>
+            <a:r>
+              <a:rPr lang="en-US" dirty="0"/>
+              <a:t>Designed an adaptor to streamline the testing process of the camera and IR payload rotation system; implementing a running tolerance fit and material choice to achieve the desired functionality of </a:t>
+            </a:r>
+            <a:r>
+              <a:rPr lang="en-US"/>
+              <a:t>the adaptor</a:t>
+            </a:r>
+          </a:p>
+          <a:p>
+            <a:pPr marL="285750" indent="-285750">
+              <a:buFont typeface="Calibri" panose="020F0502020204030204" pitchFamily="34" charset="0"/>
+              <a:buChar char="›"/>
+            </a:pPr>
+            <a:r>
+              <a:rPr lang="en-US"/>
+              <a:t>Invented</a:t>
+            </a:r>
+            <a:r>
+              <a:rPr lang="en-US" dirty="0"/>
+              <a:t>, simulated, and tested a compact, low-cost shelving system to increase work order efficiency and reduce wasted space on the shop floor by over 40%</a:t>
+            </a:r>
+            <a:endParaRPr lang="en-CA" dirty="0"/>
+          </a:p>
+        </p:txBody>
+      </p:sp>
+      <p:pic>
+        <p:nvPicPr>
+          <p:cNvPr id="6" name="Picture Placeholder 5">
+            <a:extLst>
+              <a:ext uri="{FF2B5EF4-FFF2-40B4-BE49-F238E27FC236}">
+                <a16:creationId xmlns:a16="http://schemas.microsoft.com/office/drawing/2014/main" id="{9BB6C8AF-3BC9-8B70-C726-DD45720EB828}"/>
+              </a:ext>
+            </a:extLst>
+          </p:cNvPr>
+          <p:cNvPicPr>
+            <a:picLocks noGrp="1" noChangeAspect="1"/>
+          </p:cNvPicPr>
+          <p:nvPr>
+            <p:ph type="pic" idx="1"/>
+          </p:nvPr>
+        </p:nvPicPr>
+        <p:blipFill rotWithShape="1">
+          <a:blip r:embed="rId2">
+            <a:extLst>
+              <a:ext uri="{28A0092B-C50C-407E-A947-70E740481C1C}">
+                <a14:useLocalDpi xmlns:a14="http://schemas.microsoft.com/office/drawing/2010/main" val="0"/>
+              </a:ext>
+            </a:extLst>
+          </a:blip>
+          <a:srcRect l="-4230" r="-3622"/>
+          <a:stretch/>
+        </p:blipFill>
+        <p:spPr>
+          <a:xfrm>
+            <a:off x="8682606" y="2397829"/>
+            <a:ext cx="2978091" cy="2062342"/>
+          </a:xfrm>
+          <a:prstGeom prst="rect">
+            <a:avLst/>
+          </a:prstGeom>
+        </p:spPr>
+      </p:pic>
+    </p:spTree>
+    <p:extLst>
+      <p:ext uri="{BB962C8B-B14F-4D97-AF65-F5344CB8AC3E}">
+        <p14:creationId xmlns:p14="http://schemas.microsoft.com/office/powerpoint/2010/main" val="3415502685"/>
+      </p:ext>
+    </p:extLst>
+  </p:cSld>
+  <p:clrMapOvr>
+    <a:masterClrMapping/>
+  </p:clrMapOvr>
+</p:sld>
+</file>
+
+<file path=ppt/slides/slide6.xml><?xml version="1.0" encoding="utf-8"?>
+<p:sld xmlns:a="http://schemas.openxmlformats.org/drawingml/2006/main" xmlns:r="http://schemas.openxmlformats.org/officeDocument/2006/relationships" xmlns:p="http://schemas.openxmlformats.org/presentationml/2006/main">
+  <p:cSld>
+    <p:spTree>
+      <p:nvGrpSpPr>
+        <p:cNvPr id="1" name=""/>
+        <p:cNvGrpSpPr/>
+        <p:nvPr/>
+      </p:nvGrpSpPr>
+      <p:grpSpPr>
+        <a:xfrm>
+          <a:off x="0" y="0"/>
+          <a:ext cx="0" cy="0"/>
+          <a:chOff x="0" y="0"/>
+          <a:chExt cx="0" cy="0"/>
+        </a:xfrm>
+      </p:grpSpPr>
+      <p:sp>
+        <p:nvSpPr>
+          <p:cNvPr id="5" name="Text Placeholder 4">
+            <a:extLst>
+              <a:ext uri="{FF2B5EF4-FFF2-40B4-BE49-F238E27FC236}">
+                <a16:creationId xmlns:a16="http://schemas.microsoft.com/office/drawing/2014/main" id="{6B236716-B1AC-117B-59DF-BB5456EDBCD0}"/>
+              </a:ext>
+            </a:extLst>
+          </p:cNvPr>
+          <p:cNvSpPr>
+            <a:spLocks noGrp="1"/>
+          </p:cNvSpPr>
+          <p:nvPr>
+            <p:ph type="body" sz="half" idx="2"/>
+          </p:nvPr>
+        </p:nvSpPr>
+        <p:spPr>
+          <a:xfrm>
+            <a:off x="0" y="818260"/>
+            <a:ext cx="8135596" cy="5221480"/>
+          </a:xfrm>
+        </p:spPr>
+        <p:txBody>
+          <a:bodyPr anchor="ctr">
+            <a:normAutofit/>
+          </a:bodyPr>
+          <a:lstStyle/>
+          <a:p>
+            <a:pPr marL="285750" indent="-285750">
+              <a:buFont typeface="Calibri" panose="020F0502020204030204" pitchFamily="34" charset="0"/>
+              <a:buChar char="›"/>
+            </a:pPr>
+            <a:r>
+              <a:rPr lang="en-US" dirty="0"/>
+              <a:t>Led technical development and integration of numerous camera and sensor systems across all production-level projects improving self-driving vision accuracy and reliability in humid and snowy climates </a:t>
+            </a:r>
+          </a:p>
+          <a:p>
+            <a:pPr marL="285750" indent="-285750">
+              <a:buFont typeface="Calibri" panose="020F0502020204030204" pitchFamily="34" charset="0"/>
+              <a:buChar char="›"/>
+            </a:pPr>
+            <a:r>
+              <a:rPr lang="en-US" dirty="0"/>
+              <a:t>Conducted simulation studies (OPTIS &amp; CATIA) by visualizing camera field-of-view to propose placement &amp; </a:t>
+            </a:r>
+            <a:r>
+              <a:rPr lang="en-US" dirty="0" err="1"/>
+              <a:t>lookvector</a:t>
+            </a:r>
+            <a:r>
+              <a:rPr lang="en-US" dirty="0"/>
+              <a:t>, which optimized machine learning computer vision algorithm, aesthetics, and electromechanical integration</a:t>
+            </a:r>
+          </a:p>
+          <a:p>
+            <a:pPr marL="285750" indent="-285750">
+              <a:buFont typeface="Calibri" panose="020F0502020204030204" pitchFamily="34" charset="0"/>
+              <a:buChar char="›"/>
+            </a:pPr>
+            <a:r>
+              <a:rPr lang="en-US" dirty="0"/>
+              <a:t>Communicated and calculated in-depth RSS tolerance analysis of mating components and requirements for GD&amp;T to international suppliers ensuring products can be mass-manufactured with a defect rate less than 0.001%</a:t>
+            </a:r>
+            <a:endParaRPr lang="en-CA" dirty="0"/>
+          </a:p>
+        </p:txBody>
+      </p:sp>
+      <p:pic>
+        <p:nvPicPr>
+          <p:cNvPr id="6" name="Picture Placeholder 5">
+            <a:extLst>
+              <a:ext uri="{FF2B5EF4-FFF2-40B4-BE49-F238E27FC236}">
+                <a16:creationId xmlns:a16="http://schemas.microsoft.com/office/drawing/2014/main" id="{9BB6C8AF-3BC9-8B70-C726-DD45720EB828}"/>
+              </a:ext>
+            </a:extLst>
+          </p:cNvPr>
+          <p:cNvPicPr>
+            <a:picLocks noGrp="1" noChangeAspect="1"/>
+          </p:cNvPicPr>
+          <p:nvPr>
+            <p:ph type="pic" idx="1"/>
+          </p:nvPr>
+        </p:nvPicPr>
+        <p:blipFill rotWithShape="1">
+          <a:blip r:embed="rId2">
+            <a:extLst>
+              <a:ext uri="{28A0092B-C50C-407E-A947-70E740481C1C}">
+                <a14:useLocalDpi xmlns:a14="http://schemas.microsoft.com/office/drawing/2010/main" val="0"/>
+              </a:ext>
+            </a:extLst>
+          </a:blip>
+          <a:srcRect l="3807" t="9945" r="3934" b="8402"/>
+          <a:stretch/>
+        </p:blipFill>
+        <p:spPr>
+          <a:xfrm>
+            <a:off x="8349373" y="3145169"/>
+            <a:ext cx="3631831" cy="567662"/>
+          </a:xfrm>
+          <a:prstGeom prst="rect">
+            <a:avLst/>
+          </a:prstGeom>
+        </p:spPr>
+      </p:pic>
+    </p:spTree>
+    <p:extLst>
+      <p:ext uri="{BB962C8B-B14F-4D97-AF65-F5344CB8AC3E}">
+        <p14:creationId xmlns:p14="http://schemas.microsoft.com/office/powerpoint/2010/main" val="3900001084"/>
+      </p:ext>
+    </p:extLst>
+  </p:cSld>
+  <p:clrMapOvr>
+    <a:masterClrMapping/>
+  </p:clrMapOvr>
+</p:sld>
+</file>
+
+<file path=ppt/slides/slide7.xml><?xml version="1.0" encoding="utf-8"?>
+<p:sld xmlns:a="http://schemas.openxmlformats.org/drawingml/2006/main" xmlns:r="http://schemas.openxmlformats.org/officeDocument/2006/relationships" xmlns:p="http://schemas.openxmlformats.org/presentationml/2006/main">
+  <p:cSld>
+    <p:spTree>
+      <p:nvGrpSpPr>
+        <p:cNvPr id="1" name=""/>
+        <p:cNvGrpSpPr/>
+        <p:nvPr/>
+      </p:nvGrpSpPr>
+      <p:grpSpPr>
+        <a:xfrm>
+          <a:off x="0" y="0"/>
+          <a:ext cx="0" cy="0"/>
+          <a:chOff x="0" y="0"/>
+          <a:chExt cx="0" cy="0"/>
+        </a:xfrm>
+      </p:grpSpPr>
+      <p:pic>
+        <p:nvPicPr>
+          <p:cNvPr id="4" name="Picture 3">
+            <a:extLst>
+              <a:ext uri="{FF2B5EF4-FFF2-40B4-BE49-F238E27FC236}">
+                <a16:creationId xmlns:a16="http://schemas.microsoft.com/office/drawing/2014/main" id="{E4E0F8D4-E7F8-21DB-7200-14DF39EDF880}"/>
+              </a:ext>
+            </a:extLst>
+          </p:cNvPr>
+          <p:cNvPicPr>
+            <a:picLocks noChangeAspect="1"/>
+          </p:cNvPicPr>
+          <p:nvPr/>
+        </p:nvPicPr>
+        <p:blipFill rotWithShape="1">
+          <a:blip r:embed="rId2"/>
+          <a:srcRect r="67957" b="27646"/>
+          <a:stretch/>
+        </p:blipFill>
+        <p:spPr>
+          <a:xfrm>
+            <a:off x="1109506" y="2724539"/>
+            <a:ext cx="1392845" cy="1521667"/>
+          </a:xfrm>
+          <a:prstGeom prst="rect">
+            <a:avLst/>
+          </a:prstGeom>
+        </p:spPr>
+      </p:pic>
+      <p:pic>
+        <p:nvPicPr>
+          <p:cNvPr id="1026" name="Picture 2" descr="Tesla Logo - Free download logo in SVG or PNG format">
+            <a:extLst>
+              <a:ext uri="{FF2B5EF4-FFF2-40B4-BE49-F238E27FC236}">
+                <a16:creationId xmlns:a16="http://schemas.microsoft.com/office/drawing/2014/main" id="{217B521C-B77F-7634-A3AB-F255FDE34C2F}"/>
+              </a:ext>
+            </a:extLst>
+          </p:cNvPr>
+          <p:cNvPicPr>
+            <a:picLocks noChangeAspect="1" noChangeArrowheads="1"/>
+          </p:cNvPicPr>
+          <p:nvPr/>
+        </p:nvPicPr>
+        <p:blipFill>
+          <a:blip r:embed="rId3">
+            <a:extLst>
+              <a:ext uri="{28A0092B-C50C-407E-A947-70E740481C1C}">
+                <a14:useLocalDpi xmlns:a14="http://schemas.microsoft.com/office/drawing/2010/main" val="0"/>
+              </a:ext>
+            </a:extLst>
+          </a:blip>
+          <a:srcRect/>
+          <a:stretch>
+            <a:fillRect/>
+          </a:stretch>
+        </p:blipFill>
+        <p:spPr bwMode="auto">
+          <a:xfrm>
+            <a:off x="1642964" y="1725113"/>
+            <a:ext cx="3428998" cy="2285998"/>
+          </a:xfrm>
+          <a:prstGeom prst="rect">
+            <a:avLst/>
+          </a:prstGeom>
+          <a:noFill/>
+          <a:extLst>
+            <a:ext uri="{909E8E84-426E-40DD-AFC4-6F175D3DCCD1}">
+              <a14:hiddenFill xmlns:a14="http://schemas.microsoft.com/office/drawing/2010/main">
+                <a:solidFill>
+                  <a:srgbClr val="FFFFFF"/>
+                </a:solidFill>
+              </a14:hiddenFill>
+            </a:ext>
+          </a:extLst>
+        </p:spPr>
+      </p:pic>
+      <p:pic>
+        <p:nvPicPr>
+          <p:cNvPr id="1028" name="Picture 4" descr="L3Harris - POWER SYSTEMS AND SIMULATION - Nuclear Engineering International">
+            <a:extLst>
+              <a:ext uri="{FF2B5EF4-FFF2-40B4-BE49-F238E27FC236}">
+                <a16:creationId xmlns:a16="http://schemas.microsoft.com/office/drawing/2014/main" id="{A0FA4E88-2CF7-EC04-E247-320B2810046D}"/>
+              </a:ext>
+            </a:extLst>
+          </p:cNvPr>
+          <p:cNvPicPr>
+            <a:picLocks noChangeAspect="1" noChangeArrowheads="1"/>
+          </p:cNvPicPr>
+          <p:nvPr/>
+        </p:nvPicPr>
+        <p:blipFill>
+          <a:blip r:embed="rId4">
+            <a:extLst>
+              <a:ext uri="{28A0092B-C50C-407E-A947-70E740481C1C}">
+                <a14:useLocalDpi xmlns:a14="http://schemas.microsoft.com/office/drawing/2010/main" val="0"/>
+              </a:ext>
+            </a:extLst>
+          </a:blip>
+          <a:srcRect/>
+          <a:stretch>
+            <a:fillRect/>
+          </a:stretch>
+        </p:blipFill>
+        <p:spPr bwMode="auto">
+          <a:xfrm>
+            <a:off x="2502351" y="4133461"/>
+            <a:ext cx="1710225" cy="1276968"/>
+          </a:xfrm>
+          <a:prstGeom prst="rect">
+            <a:avLst/>
+          </a:prstGeom>
+          <a:noFill/>
+          <a:extLst>
+            <a:ext uri="{909E8E84-426E-40DD-AFC4-6F175D3DCCD1}">
+              <a14:hiddenFill xmlns:a14="http://schemas.microsoft.com/office/drawing/2010/main">
+                <a:solidFill>
+                  <a:srgbClr val="FFFFFF"/>
+                </a:solidFill>
+              </a14:hiddenFill>
+            </a:ext>
+          </a:extLst>
+        </p:spPr>
+      </p:pic>
+      <p:pic>
+        <p:nvPicPr>
+          <p:cNvPr id="1030" name="Picture 6" descr="Metrolinx News - Official source of transit news">
+            <a:extLst>
+              <a:ext uri="{FF2B5EF4-FFF2-40B4-BE49-F238E27FC236}">
+                <a16:creationId xmlns:a16="http://schemas.microsoft.com/office/drawing/2014/main" id="{6A66EF3F-D1FE-AFE1-3BB6-11F163F8BCD2}"/>
+              </a:ext>
+            </a:extLst>
+          </p:cNvPr>
+          <p:cNvPicPr>
+            <a:picLocks noChangeAspect="1" noChangeArrowheads="1"/>
+          </p:cNvPicPr>
+          <p:nvPr/>
+        </p:nvPicPr>
+        <p:blipFill>
+          <a:blip r:embed="rId5">
+            <a:extLst>
+              <a:ext uri="{28A0092B-C50C-407E-A947-70E740481C1C}">
+                <a14:useLocalDpi xmlns:a14="http://schemas.microsoft.com/office/drawing/2010/main" val="0"/>
+              </a:ext>
+            </a:extLst>
+          </a:blip>
+          <a:srcRect/>
+          <a:stretch>
+            <a:fillRect/>
+          </a:stretch>
+        </p:blipFill>
+        <p:spPr bwMode="auto">
+          <a:xfrm>
+            <a:off x="1202894" y="5850030"/>
+            <a:ext cx="4309137" cy="764331"/>
+          </a:xfrm>
+          <a:prstGeom prst="rect">
+            <a:avLst/>
+          </a:prstGeom>
+          <a:noFill/>
+          <a:extLst>
+            <a:ext uri="{909E8E84-426E-40DD-AFC4-6F175D3DCCD1}">
+              <a14:hiddenFill xmlns:a14="http://schemas.microsoft.com/office/drawing/2010/main">
+                <a:solidFill>
+                  <a:srgbClr val="FFFFFF"/>
+                </a:solidFill>
+              </a14:hiddenFill>
+            </a:ext>
+          </a:extLst>
+        </p:spPr>
+      </p:pic>
+    </p:spTree>
+    <p:extLst>
+      <p:ext uri="{BB962C8B-B14F-4D97-AF65-F5344CB8AC3E}">
+        <p14:creationId xmlns:p14="http://schemas.microsoft.com/office/powerpoint/2010/main" val="645145634"/>
+      </p:ext>
+    </p:extLst>
+  </p:cSld>
+  <p:clrMapOvr>
+    <a:masterClrMapping/>
+  </p:clrMapOvr>
+</p:sld>
+</file>
+
+<file path=ppt/slides/slide8.xml><?xml version="1.0" encoding="utf-8"?>
+<p:sld xmlns:a="http://schemas.openxmlformats.org/drawingml/2006/main" xmlns:r="http://schemas.openxmlformats.org/officeDocument/2006/relationships" xmlns:p="http://schemas.openxmlformats.org/presentationml/2006/main">
+  <p:cSld>
+    <p:spTree>
+      <p:nvGrpSpPr>
+        <p:cNvPr id="1" name=""/>
+        <p:cNvGrpSpPr/>
+        <p:nvPr/>
+      </p:nvGrpSpPr>
+      <p:grpSpPr>
+        <a:xfrm>
+          <a:off x="0" y="0"/>
+          <a:ext cx="0" cy="0"/>
+          <a:chOff x="0" y="0"/>
+          <a:chExt cx="0" cy="0"/>
+        </a:xfrm>
+      </p:grpSpPr>
+      <p:pic>
+        <p:nvPicPr>
+          <p:cNvPr id="4" name="Picture 3">
+            <a:extLst>
+              <a:ext uri="{FF2B5EF4-FFF2-40B4-BE49-F238E27FC236}">
+                <a16:creationId xmlns:a16="http://schemas.microsoft.com/office/drawing/2014/main" id="{E4E0F8D4-E7F8-21DB-7200-14DF39EDF880}"/>
+              </a:ext>
+            </a:extLst>
+          </p:cNvPr>
+          <p:cNvPicPr>
+            <a:picLocks noChangeAspect="1"/>
+          </p:cNvPicPr>
+          <p:nvPr/>
+        </p:nvPicPr>
+        <p:blipFill rotWithShape="1">
+          <a:blip r:embed="rId2"/>
+          <a:srcRect r="67957" b="27646"/>
+          <a:stretch/>
+        </p:blipFill>
+        <p:spPr>
+          <a:xfrm>
+            <a:off x="1109506" y="2724539"/>
+            <a:ext cx="1392845" cy="1521667"/>
+          </a:xfrm>
+          <a:prstGeom prst="rect">
+            <a:avLst/>
+          </a:prstGeom>
+        </p:spPr>
+      </p:pic>
+      <p:pic>
+        <p:nvPicPr>
+          <p:cNvPr id="1026" name="Picture 2" descr="Tesla Logo - Free download logo in SVG or PNG format">
+            <a:extLst>
+              <a:ext uri="{FF2B5EF4-FFF2-40B4-BE49-F238E27FC236}">
+                <a16:creationId xmlns:a16="http://schemas.microsoft.com/office/drawing/2014/main" id="{217B521C-B77F-7634-A3AB-F255FDE34C2F}"/>
+              </a:ext>
+            </a:extLst>
+          </p:cNvPr>
+          <p:cNvPicPr>
+            <a:picLocks noChangeAspect="1" noChangeArrowheads="1"/>
+          </p:cNvPicPr>
+          <p:nvPr/>
+        </p:nvPicPr>
+        <p:blipFill>
+          <a:blip r:embed="rId3">
+            <a:extLst>
+              <a:ext uri="{28A0092B-C50C-407E-A947-70E740481C1C}">
+                <a14:useLocalDpi xmlns:a14="http://schemas.microsoft.com/office/drawing/2010/main" val="0"/>
+              </a:ext>
+            </a:extLst>
+          </a:blip>
+          <a:srcRect/>
+          <a:stretch>
+            <a:fillRect/>
+          </a:stretch>
+        </p:blipFill>
+        <p:spPr bwMode="auto">
+          <a:xfrm>
+            <a:off x="1642964" y="1725113"/>
+            <a:ext cx="3428998" cy="2285998"/>
+          </a:xfrm>
+          <a:prstGeom prst="rect">
+            <a:avLst/>
+          </a:prstGeom>
+          <a:noFill/>
+          <a:extLst>
+            <a:ext uri="{909E8E84-426E-40DD-AFC4-6F175D3DCCD1}">
+              <a14:hiddenFill xmlns:a14="http://schemas.microsoft.com/office/drawing/2010/main">
+                <a:solidFill>
+                  <a:srgbClr val="FFFFFF"/>
+                </a:solidFill>
+              </a14:hiddenFill>
+            </a:ext>
+          </a:extLst>
+        </p:spPr>
+      </p:pic>
+      <p:pic>
+        <p:nvPicPr>
+          <p:cNvPr id="1028" name="Picture 4" descr="L3Harris - POWER SYSTEMS AND SIMULATION - Nuclear Engineering International">
+            <a:extLst>
+              <a:ext uri="{FF2B5EF4-FFF2-40B4-BE49-F238E27FC236}">
+                <a16:creationId xmlns:a16="http://schemas.microsoft.com/office/drawing/2014/main" id="{A0FA4E88-2CF7-EC04-E247-320B2810046D}"/>
+              </a:ext>
+            </a:extLst>
+          </p:cNvPr>
+          <p:cNvPicPr>
+            <a:picLocks noChangeAspect="1" noChangeArrowheads="1"/>
+          </p:cNvPicPr>
+          <p:nvPr/>
+        </p:nvPicPr>
+        <p:blipFill>
+          <a:blip r:embed="rId4">
+            <a:extLst>
+              <a:ext uri="{28A0092B-C50C-407E-A947-70E740481C1C}">
+                <a14:useLocalDpi xmlns:a14="http://schemas.microsoft.com/office/drawing/2010/main" val="0"/>
+              </a:ext>
+            </a:extLst>
+          </a:blip>
+          <a:srcRect/>
+          <a:stretch>
+            <a:fillRect/>
+          </a:stretch>
+        </p:blipFill>
+        <p:spPr bwMode="auto">
+          <a:xfrm>
+            <a:off x="2502351" y="4133461"/>
+            <a:ext cx="1710225" cy="1276968"/>
+          </a:xfrm>
+          <a:prstGeom prst="rect">
+            <a:avLst/>
+          </a:prstGeom>
+          <a:noFill/>
+          <a:extLst>
+            <a:ext uri="{909E8E84-426E-40DD-AFC4-6F175D3DCCD1}">
+              <a14:hiddenFill xmlns:a14="http://schemas.microsoft.com/office/drawing/2010/main">
+                <a:solidFill>
+                  <a:srgbClr val="FFFFFF"/>
+                </a:solidFill>
+              </a14:hiddenFill>
+            </a:ext>
+          </a:extLst>
+        </p:spPr>
+      </p:pic>
+      <p:pic>
+        <p:nvPicPr>
+          <p:cNvPr id="1030" name="Picture 6" descr="Metrolinx News - Official source of transit news">
+            <a:extLst>
+              <a:ext uri="{FF2B5EF4-FFF2-40B4-BE49-F238E27FC236}">
+                <a16:creationId xmlns:a16="http://schemas.microsoft.com/office/drawing/2014/main" id="{6A66EF3F-D1FE-AFE1-3BB6-11F163F8BCD2}"/>
+              </a:ext>
+            </a:extLst>
+          </p:cNvPr>
+          <p:cNvPicPr>
+            <a:picLocks noChangeAspect="1" noChangeArrowheads="1"/>
+          </p:cNvPicPr>
+          <p:nvPr/>
+        </p:nvPicPr>
+        <p:blipFill>
+          <a:blip r:embed="rId5">
+            <a:extLst>
+              <a:ext uri="{28A0092B-C50C-407E-A947-70E740481C1C}">
+                <a14:useLocalDpi xmlns:a14="http://schemas.microsoft.com/office/drawing/2010/main" val="0"/>
+              </a:ext>
+            </a:extLst>
+          </a:blip>
+          <a:srcRect/>
+          <a:stretch>
+            <a:fillRect/>
+          </a:stretch>
+        </p:blipFill>
+        <p:spPr bwMode="auto">
+          <a:xfrm>
+            <a:off x="1202894" y="5850030"/>
+            <a:ext cx="4309137" cy="764331"/>
+          </a:xfrm>
+          <a:prstGeom prst="rect">
+            <a:avLst/>
+          </a:prstGeom>
+          <a:noFill/>
+          <a:extLst>
+            <a:ext uri="{909E8E84-426E-40DD-AFC4-6F175D3DCCD1}">
+              <a14:hiddenFill xmlns:a14="http://schemas.microsoft.com/office/drawing/2010/main">
+                <a:solidFill>
+                  <a:srgbClr val="FFFFFF"/>
+                </a:solidFill>
+              </a14:hiddenFill>
+            </a:ext>
+          </a:extLst>
+        </p:spPr>
+      </p:pic>
+    </p:spTree>
+    <p:extLst>
+      <p:ext uri="{BB962C8B-B14F-4D97-AF65-F5344CB8AC3E}">
+        <p14:creationId xmlns:p14="http://schemas.microsoft.com/office/powerpoint/2010/main" val="789136735"/>
+      </p:ext>
+    </p:extLst>
+  </p:cSld>
+  <p:clrMapOvr>
+    <a:masterClrMapping/>
+  </p:clrMapOvr>
+</p:sld>
+</file>
+
 <file path=ppt/theme/theme1.xml><?xml version="1.0" encoding="utf-8"?>
 <a:theme xmlns:a="http://schemas.openxmlformats.org/drawingml/2006/main" name="Office Theme">
   <a:themeElements>
